--- a/Lectures/01-ActivityLifeCycle.pptx
+++ b/Lectures/01-ActivityLifeCycle.pptx
@@ -10,8 +10,8 @@
     <p:sldId id="257" r:id="rId4"/>
     <p:sldId id="259" r:id="rId5"/>
     <p:sldId id="260" r:id="rId6"/>
-    <p:sldId id="261" r:id="rId7"/>
-    <p:sldId id="262" r:id="rId8"/>
+    <p:sldId id="262" r:id="rId7"/>
+    <p:sldId id="263" r:id="rId8"/>
   </p:sldIdLst>
   <p:sldSz cx="12192000" cy="6858000"/>
   <p:notesSz cx="6858000" cy="9144000"/>
@@ -840,7 +840,7 @@
           <a:p>
             <a:fld id="{4642BBCE-D78C-4C2D-92C1-606FD6F575B9}" type="datetimeFigureOut">
               <a:rPr lang="en-US" smtClean="0"/>
-              <a:t>2018-08-02</a:t>
+              <a:t>2018-08-04</a:t>
             </a:fld>
             <a:endParaRPr lang="en-US"/>
           </a:p>
@@ -1091,7 +1091,7 @@
           <a:p>
             <a:fld id="{4642BBCE-D78C-4C2D-92C1-606FD6F575B9}" type="datetimeFigureOut">
               <a:rPr lang="en-US" smtClean="0"/>
-              <a:t>2018-08-02</a:t>
+              <a:t>2018-08-04</a:t>
             </a:fld>
             <a:endParaRPr lang="en-US"/>
           </a:p>
@@ -1405,7 +1405,7 @@
           <a:p>
             <a:fld id="{4642BBCE-D78C-4C2D-92C1-606FD6F575B9}" type="datetimeFigureOut">
               <a:rPr lang="en-US" smtClean="0"/>
-              <a:t>2018-08-02</a:t>
+              <a:t>2018-08-04</a:t>
             </a:fld>
             <a:endParaRPr lang="en-US"/>
           </a:p>
@@ -1746,7 +1746,7 @@
           <a:p>
             <a:fld id="{4642BBCE-D78C-4C2D-92C1-606FD6F575B9}" type="datetimeFigureOut">
               <a:rPr lang="en-US" smtClean="0"/>
-              <a:t>2018-08-02</a:t>
+              <a:t>2018-08-04</a:t>
             </a:fld>
             <a:endParaRPr lang="en-US"/>
           </a:p>
@@ -2060,7 +2060,7 @@
           <a:p>
             <a:fld id="{4642BBCE-D78C-4C2D-92C1-606FD6F575B9}" type="datetimeFigureOut">
               <a:rPr lang="en-US" smtClean="0"/>
-              <a:t>2018-08-02</a:t>
+              <a:t>2018-08-04</a:t>
             </a:fld>
             <a:endParaRPr lang="en-US"/>
           </a:p>
@@ -2453,7 +2453,7 @@
           <a:p>
             <a:fld id="{4642BBCE-D78C-4C2D-92C1-606FD6F575B9}" type="datetimeFigureOut">
               <a:rPr lang="en-US" smtClean="0"/>
-              <a:t>2018-08-02</a:t>
+              <a:t>2018-08-04</a:t>
             </a:fld>
             <a:endParaRPr lang="en-US"/>
           </a:p>
@@ -2623,7 +2623,7 @@
           <a:p>
             <a:fld id="{4642BBCE-D78C-4C2D-92C1-606FD6F575B9}" type="datetimeFigureOut">
               <a:rPr lang="en-US" smtClean="0"/>
-              <a:t>2018-08-02</a:t>
+              <a:t>2018-08-04</a:t>
             </a:fld>
             <a:endParaRPr lang="en-US"/>
           </a:p>
@@ -2803,7 +2803,7 @@
           <a:p>
             <a:fld id="{4642BBCE-D78C-4C2D-92C1-606FD6F575B9}" type="datetimeFigureOut">
               <a:rPr lang="en-US" smtClean="0"/>
-              <a:t>2018-08-02</a:t>
+              <a:t>2018-08-04</a:t>
             </a:fld>
             <a:endParaRPr lang="en-US"/>
           </a:p>
@@ -2979,7 +2979,7 @@
           <a:p>
             <a:fld id="{4642BBCE-D78C-4C2D-92C1-606FD6F575B9}" type="datetimeFigureOut">
               <a:rPr lang="en-US" smtClean="0"/>
-              <a:t>2018-08-02</a:t>
+              <a:t>2018-08-04</a:t>
             </a:fld>
             <a:endParaRPr lang="en-US"/>
           </a:p>
@@ -3226,7 +3226,7 @@
           <a:p>
             <a:fld id="{4642BBCE-D78C-4C2D-92C1-606FD6F575B9}" type="datetimeFigureOut">
               <a:rPr lang="en-US" smtClean="0"/>
-              <a:t>2018-08-02</a:t>
+              <a:t>2018-08-04</a:t>
             </a:fld>
             <a:endParaRPr lang="en-US"/>
           </a:p>
@@ -3458,7 +3458,7 @@
           <a:p>
             <a:fld id="{4642BBCE-D78C-4C2D-92C1-606FD6F575B9}" type="datetimeFigureOut">
               <a:rPr lang="en-US" smtClean="0"/>
-              <a:t>2018-08-02</a:t>
+              <a:t>2018-08-04</a:t>
             </a:fld>
             <a:endParaRPr lang="en-US"/>
           </a:p>
@@ -3832,7 +3832,7 @@
           <a:p>
             <a:fld id="{4642BBCE-D78C-4C2D-92C1-606FD6F575B9}" type="datetimeFigureOut">
               <a:rPr lang="en-US" smtClean="0"/>
-              <a:t>2018-08-02</a:t>
+              <a:t>2018-08-04</a:t>
             </a:fld>
             <a:endParaRPr lang="en-US"/>
           </a:p>
@@ -3955,7 +3955,7 @@
           <a:p>
             <a:fld id="{4642BBCE-D78C-4C2D-92C1-606FD6F575B9}" type="datetimeFigureOut">
               <a:rPr lang="en-US" smtClean="0"/>
-              <a:t>2018-08-02</a:t>
+              <a:t>2018-08-04</a:t>
             </a:fld>
             <a:endParaRPr lang="en-US"/>
           </a:p>
@@ -4050,7 +4050,7 @@
           <a:p>
             <a:fld id="{4642BBCE-D78C-4C2D-92C1-606FD6F575B9}" type="datetimeFigureOut">
               <a:rPr lang="en-US" smtClean="0"/>
-              <a:t>2018-08-02</a:t>
+              <a:t>2018-08-04</a:t>
             </a:fld>
             <a:endParaRPr lang="en-US"/>
           </a:p>
@@ -4305,7 +4305,7 @@
           <a:p>
             <a:fld id="{4642BBCE-D78C-4C2D-92C1-606FD6F575B9}" type="datetimeFigureOut">
               <a:rPr lang="en-US" smtClean="0"/>
-              <a:t>2018-08-02</a:t>
+              <a:t>2018-08-04</a:t>
             </a:fld>
             <a:endParaRPr lang="en-US"/>
           </a:p>
@@ -4568,7 +4568,7 @@
           <a:p>
             <a:fld id="{4642BBCE-D78C-4C2D-92C1-606FD6F575B9}" type="datetimeFigureOut">
               <a:rPr lang="en-US" smtClean="0"/>
-              <a:t>2018-08-02</a:t>
+              <a:t>2018-08-04</a:t>
             </a:fld>
             <a:endParaRPr lang="en-US"/>
           </a:p>
@@ -5311,7 +5311,7 @@
           <a:p>
             <a:fld id="{4642BBCE-D78C-4C2D-92C1-606FD6F575B9}" type="datetimeFigureOut">
               <a:rPr lang="en-US" smtClean="0"/>
-              <a:t>2018-08-02</a:t>
+              <a:t>2018-08-04</a:t>
             </a:fld>
             <a:endParaRPr lang="en-US"/>
           </a:p>
@@ -6126,7 +6126,7 @@
           <a:p>
             <a:r>
               <a:rPr lang="en-US" dirty="0" smtClean="0"/>
-              <a:t>Layouts and Views</a:t>
+              <a:t>Layouts</a:t>
             </a:r>
             <a:endParaRPr lang="en-US" dirty="0"/>
           </a:p>
@@ -6150,7 +6150,7 @@
         </p:spPr>
         <p:txBody>
           <a:bodyPr>
-            <a:normAutofit fontScale="92500" lnSpcReduction="20000"/>
+            <a:normAutofit/>
           </a:bodyPr>
           <a:lstStyle/>
           <a:p>
@@ -6189,7 +6189,7 @@
             </a:pPr>
             <a:r>
               <a:rPr lang="en-US" dirty="0" smtClean="0"/>
-              <a:t>Scroll View</a:t>
+              <a:t>Frame Layout</a:t>
             </a:r>
           </a:p>
           <a:p>
@@ -6202,72 +6202,7 @@
             </a:pPr>
             <a:r>
               <a:rPr lang="en-US" dirty="0" smtClean="0"/>
-              <a:t>Text View </a:t>
-            </a:r>
-          </a:p>
-          <a:p>
-            <a:pPr>
-              <a:lnSpc>
-                <a:spcPct val="150000"/>
-              </a:lnSpc>
-              <a:buFont typeface="Wingdings" panose="05000000000000000000" pitchFamily="2" charset="2"/>
-              <a:buChar char="Ø"/>
-            </a:pPr>
-            <a:r>
-              <a:rPr lang="en-US" dirty="0" smtClean="0"/>
-              <a:t>Image View</a:t>
-            </a:r>
-          </a:p>
-          <a:p>
-            <a:pPr>
-              <a:lnSpc>
-                <a:spcPct val="150000"/>
-              </a:lnSpc>
-              <a:buFont typeface="Wingdings" panose="05000000000000000000" pitchFamily="2" charset="2"/>
-              <a:buChar char="Ø"/>
-            </a:pPr>
-            <a:r>
-              <a:rPr lang="en-US" dirty="0" smtClean="0"/>
-              <a:t>Button</a:t>
-            </a:r>
-          </a:p>
-          <a:p>
-            <a:pPr>
-              <a:lnSpc>
-                <a:spcPct val="150000"/>
-              </a:lnSpc>
-              <a:buFont typeface="Wingdings" panose="05000000000000000000" pitchFamily="2" charset="2"/>
-              <a:buChar char="Ø"/>
-            </a:pPr>
-            <a:r>
-              <a:rPr lang="en-US" dirty="0" smtClean="0"/>
-              <a:t>Radio Button</a:t>
-            </a:r>
-          </a:p>
-          <a:p>
-            <a:pPr>
-              <a:lnSpc>
-                <a:spcPct val="150000"/>
-              </a:lnSpc>
-              <a:buFont typeface="Wingdings" panose="05000000000000000000" pitchFamily="2" charset="2"/>
-              <a:buChar char="Ø"/>
-            </a:pPr>
-            <a:r>
-              <a:rPr lang="en-US" dirty="0" smtClean="0"/>
-              <a:t>Check box </a:t>
-            </a:r>
-          </a:p>
-          <a:p>
-            <a:pPr>
-              <a:lnSpc>
-                <a:spcPct val="150000"/>
-              </a:lnSpc>
-              <a:buFont typeface="Wingdings" panose="05000000000000000000" pitchFamily="2" charset="2"/>
-              <a:buChar char="Ø"/>
-            </a:pPr>
-            <a:r>
-              <a:rPr lang="en-US" dirty="0" smtClean="0"/>
-              <a:t>Switcher</a:t>
+              <a:t>Scroll View</a:t>
             </a:r>
           </a:p>
           <a:p>
@@ -6331,26 +6266,176 @@
           <a:lstStyle/>
           <a:p>
             <a:r>
+              <a:rPr lang="en-US" dirty="0" smtClean="0"/>
+              <a:t>Views</a:t>
+            </a:r>
+            <a:endParaRPr lang="en-US" dirty="0"/>
+          </a:p>
+        </p:txBody>
+      </p:sp>
+      <p:sp>
+        <p:nvSpPr>
+          <p:cNvPr id="3" name="Content Placeholder 2"/>
+          <p:cNvSpPr>
+            <a:spLocks noGrp="1"/>
+          </p:cNvSpPr>
+          <p:nvPr>
+            <p:ph idx="1"/>
+          </p:nvPr>
+        </p:nvSpPr>
+        <p:spPr>
+          <a:xfrm>
+            <a:off x="677334" y="1593273"/>
+            <a:ext cx="8596668" cy="4849091"/>
+          </a:xfrm>
+        </p:spPr>
+        <p:txBody>
+          <a:bodyPr>
+            <a:normAutofit fontScale="92500" lnSpcReduction="20000"/>
+          </a:bodyPr>
+          <a:lstStyle/>
+          <a:p>
+            <a:pPr>
+              <a:lnSpc>
+                <a:spcPct val="150000"/>
+              </a:lnSpc>
+              <a:buFont typeface="Wingdings" panose="05000000000000000000" pitchFamily="2" charset="2"/>
+              <a:buChar char="Ø"/>
+            </a:pPr>
+            <a:r>
+              <a:rPr lang="en-US" dirty="0" smtClean="0"/>
+              <a:t>Text </a:t>
+            </a:r>
+            <a:r>
               <a:rPr lang="en-US" dirty="0"/>
-              <a:t>Layouts and Views</a:t>
-            </a:r>
-          </a:p>
-        </p:txBody>
-      </p:sp>
-      <p:sp>
-        <p:nvSpPr>
-          <p:cNvPr id="3" name="Content Placeholder 2"/>
-          <p:cNvSpPr>
-            <a:spLocks noGrp="1"/>
-          </p:cNvSpPr>
-          <p:nvPr>
-            <p:ph idx="1"/>
-          </p:nvPr>
-        </p:nvSpPr>
-        <p:spPr/>
-        <p:txBody>
-          <a:bodyPr/>
-          <a:lstStyle/>
+              <a:t>View </a:t>
+            </a:r>
+            <a:endParaRPr lang="en-US" dirty="0" smtClean="0"/>
+          </a:p>
+          <a:p>
+            <a:pPr>
+              <a:lnSpc>
+                <a:spcPct val="150000"/>
+              </a:lnSpc>
+              <a:buFont typeface="Wingdings" panose="05000000000000000000" pitchFamily="2" charset="2"/>
+              <a:buChar char="Ø"/>
+            </a:pPr>
+            <a:r>
+              <a:rPr lang="en-US" dirty="0" smtClean="0"/>
+              <a:t>Edit Text</a:t>
+            </a:r>
+            <a:endParaRPr lang="en-US" dirty="0"/>
+          </a:p>
+          <a:p>
+            <a:pPr>
+              <a:lnSpc>
+                <a:spcPct val="150000"/>
+              </a:lnSpc>
+              <a:buFont typeface="Wingdings" panose="05000000000000000000" pitchFamily="2" charset="2"/>
+              <a:buChar char="Ø"/>
+            </a:pPr>
+            <a:r>
+              <a:rPr lang="en-US" dirty="0"/>
+              <a:t>Image View</a:t>
+            </a:r>
+          </a:p>
+          <a:p>
+            <a:pPr>
+              <a:lnSpc>
+                <a:spcPct val="150000"/>
+              </a:lnSpc>
+              <a:buFont typeface="Wingdings" panose="05000000000000000000" pitchFamily="2" charset="2"/>
+              <a:buChar char="Ø"/>
+            </a:pPr>
+            <a:r>
+              <a:rPr lang="en-US" dirty="0"/>
+              <a:t>Button</a:t>
+            </a:r>
+          </a:p>
+          <a:p>
+            <a:pPr>
+              <a:lnSpc>
+                <a:spcPct val="150000"/>
+              </a:lnSpc>
+              <a:buFont typeface="Wingdings" panose="05000000000000000000" pitchFamily="2" charset="2"/>
+              <a:buChar char="Ø"/>
+            </a:pPr>
+            <a:r>
+              <a:rPr lang="en-US" dirty="0"/>
+              <a:t>Radio </a:t>
+            </a:r>
+            <a:r>
+              <a:rPr lang="en-US" dirty="0" smtClean="0"/>
+              <a:t>Button</a:t>
+            </a:r>
+          </a:p>
+          <a:p>
+            <a:pPr>
+              <a:lnSpc>
+                <a:spcPct val="150000"/>
+              </a:lnSpc>
+              <a:buFont typeface="Wingdings" panose="05000000000000000000" pitchFamily="2" charset="2"/>
+              <a:buChar char="Ø"/>
+            </a:pPr>
+            <a:r>
+              <a:rPr lang="en-US" dirty="0" smtClean="0"/>
+              <a:t>Radio Group</a:t>
+            </a:r>
+            <a:endParaRPr lang="en-US" dirty="0"/>
+          </a:p>
+          <a:p>
+            <a:pPr>
+              <a:lnSpc>
+                <a:spcPct val="150000"/>
+              </a:lnSpc>
+              <a:buFont typeface="Wingdings" panose="05000000000000000000" pitchFamily="2" charset="2"/>
+              <a:buChar char="Ø"/>
+            </a:pPr>
+            <a:r>
+              <a:rPr lang="en-US" dirty="0"/>
+              <a:t>Check box </a:t>
+            </a:r>
+          </a:p>
+          <a:p>
+            <a:pPr>
+              <a:lnSpc>
+                <a:spcPct val="150000"/>
+              </a:lnSpc>
+              <a:buFont typeface="Wingdings" panose="05000000000000000000" pitchFamily="2" charset="2"/>
+              <a:buChar char="Ø"/>
+            </a:pPr>
+            <a:r>
+              <a:rPr lang="en-US" dirty="0" smtClean="0"/>
+              <a:t>Switcher</a:t>
+            </a:r>
+          </a:p>
+          <a:p>
+            <a:pPr>
+              <a:lnSpc>
+                <a:spcPct val="150000"/>
+              </a:lnSpc>
+              <a:buFont typeface="Wingdings" panose="05000000000000000000" pitchFamily="2" charset="2"/>
+              <a:buChar char="Ø"/>
+            </a:pPr>
+            <a:r>
+              <a:rPr lang="en-US" dirty="0" smtClean="0"/>
+              <a:t>Toggle Button</a:t>
+            </a:r>
+          </a:p>
+          <a:p>
+            <a:pPr>
+              <a:lnSpc>
+                <a:spcPct val="150000"/>
+              </a:lnSpc>
+              <a:buFont typeface="Wingdings" panose="05000000000000000000" pitchFamily="2" charset="2"/>
+              <a:buChar char="Ø"/>
+            </a:pPr>
+            <a:r>
+              <a:rPr lang="en-US" dirty="0" smtClean="0"/>
+              <a:t>Rating View</a:t>
+            </a:r>
+            <a:endParaRPr lang="en-US" dirty="0"/>
+          </a:p>
           <a:p>
             <a:endParaRPr lang="en-US" dirty="0"/>
           </a:p>
@@ -6402,8 +6487,8 @@
           <a:lstStyle/>
           <a:p>
             <a:r>
-              <a:rPr lang="en-US" smtClean="0"/>
-              <a:t>Activity part</a:t>
+              <a:rPr lang="en-US" dirty="0" smtClean="0"/>
+              <a:t>Resource files	</a:t>
             </a:r>
             <a:endParaRPr lang="en-US" dirty="0"/>
           </a:p>
@@ -6424,14 +6509,67 @@
           <a:bodyPr/>
           <a:lstStyle/>
           <a:p>
-            <a:endParaRPr lang="en-US"/>
+            <a:pPr>
+              <a:lnSpc>
+                <a:spcPct val="200000"/>
+              </a:lnSpc>
+              <a:buFont typeface="Wingdings" panose="05000000000000000000" pitchFamily="2" charset="2"/>
+              <a:buChar char="Ø"/>
+            </a:pPr>
+            <a:r>
+              <a:rPr lang="en-US" dirty="0" smtClean="0"/>
+              <a:t>Strings</a:t>
+            </a:r>
+          </a:p>
+          <a:p>
+            <a:pPr>
+              <a:lnSpc>
+                <a:spcPct val="200000"/>
+              </a:lnSpc>
+              <a:buFont typeface="Wingdings" panose="05000000000000000000" pitchFamily="2" charset="2"/>
+              <a:buChar char="Ø"/>
+            </a:pPr>
+            <a:r>
+              <a:rPr lang="en-US" dirty="0" err="1" smtClean="0"/>
+              <a:t>Drawable</a:t>
+            </a:r>
+            <a:endParaRPr lang="en-US" dirty="0" smtClean="0"/>
+          </a:p>
+          <a:p>
+            <a:pPr>
+              <a:lnSpc>
+                <a:spcPct val="200000"/>
+              </a:lnSpc>
+              <a:buFont typeface="Wingdings" panose="05000000000000000000" pitchFamily="2" charset="2"/>
+              <a:buChar char="Ø"/>
+            </a:pPr>
+            <a:r>
+              <a:rPr lang="en-US" dirty="0" smtClean="0"/>
+              <a:t>Dimensions</a:t>
+            </a:r>
+          </a:p>
+          <a:p>
+            <a:pPr>
+              <a:lnSpc>
+                <a:spcPct val="200000"/>
+              </a:lnSpc>
+              <a:buFont typeface="Wingdings" panose="05000000000000000000" pitchFamily="2" charset="2"/>
+              <a:buChar char="Ø"/>
+            </a:pPr>
+            <a:r>
+              <a:rPr lang="en-US" dirty="0" smtClean="0"/>
+              <a:t>Styles</a:t>
+            </a:r>
+          </a:p>
+          <a:p>
+            <a:endParaRPr lang="en-US" dirty="0"/>
           </a:p>
         </p:txBody>
       </p:sp>
     </p:spTree>
     <p:extLst>
       <p:ext uri="{BB962C8B-B14F-4D97-AF65-F5344CB8AC3E}">
-        <p14:creationId xmlns:p14="http://schemas.microsoft.com/office/powerpoint/2010/main" val="3301066050"/>
+        <p14:creationId xmlns:p14="http://schemas.microsoft.com/office/powerpoint/2010/main" val="1357235765"/>
       </p:ext>
     </p:extLst>
   </p:cSld>
@@ -6499,7 +6637,7 @@
     </p:spTree>
     <p:extLst>
       <p:ext uri="{BB962C8B-B14F-4D97-AF65-F5344CB8AC3E}">
-        <p14:creationId xmlns:p14="http://schemas.microsoft.com/office/powerpoint/2010/main" val="1357235765"/>
+        <p14:creationId xmlns:p14="http://schemas.microsoft.com/office/powerpoint/2010/main" val="1308486822"/>
       </p:ext>
     </p:extLst>
   </p:cSld>
